--- a/Exposición Property Access Component.pptx
+++ b/Exposición Property Access Component.pptx
@@ -7,6 +7,10 @@
   <p:sldIdLst>
     <p:sldId id="256" r:id="rId2"/>
     <p:sldId id="257" r:id="rId3"/>
+    <p:sldId id="258" r:id="rId4"/>
+    <p:sldId id="259" r:id="rId5"/>
+    <p:sldId id="260" r:id="rId6"/>
+    <p:sldId id="261" r:id="rId7"/>
   </p:sldIdLst>
   <p:sldSz cx="12192000" cy="6858000"/>
   <p:notesSz cx="6858000" cy="9144000"/>
@@ -105,6 +109,11 @@
       </a:defRPr>
     </a:lvl9pPr>
   </p:defaultTextStyle>
+  <p:extLst>
+    <p:ext uri="{EFAFB233-063F-42B5-8137-9DF3F51BA10A}">
+      <p15:sldGuideLst xmlns:p15="http://schemas.microsoft.com/office/powerpoint/2012/main"/>
+    </p:ext>
+  </p:extLst>
 </p:presentation>
 </file>
 
@@ -296,7 +305,7 @@
           <a:p>
             <a:fld id="{8BFF3AED-349D-4D38-9D65-91572B471CDC}" type="datetimeFigureOut">
               <a:rPr lang="es-CO" smtClean="0"/>
-              <a:t>10/08/2015</a:t>
+              <a:t>19/08/2015</a:t>
             </a:fld>
             <a:endParaRPr lang="es-CO"/>
           </a:p>
@@ -634,7 +643,7 @@
           <a:p>
             <a:fld id="{8BFF3AED-349D-4D38-9D65-91572B471CDC}" type="datetimeFigureOut">
               <a:rPr lang="es-CO" smtClean="0"/>
-              <a:t>10/08/2015</a:t>
+              <a:t>19/08/2015</a:t>
             </a:fld>
             <a:endParaRPr lang="es-CO"/>
           </a:p>
@@ -1035,7 +1044,7 @@
           <a:p>
             <a:fld id="{8BFF3AED-349D-4D38-9D65-91572B471CDC}" type="datetimeFigureOut">
               <a:rPr lang="es-CO" smtClean="0"/>
-              <a:t>10/08/2015</a:t>
+              <a:t>19/08/2015</a:t>
             </a:fld>
             <a:endParaRPr lang="es-CO"/>
           </a:p>
@@ -1371,7 +1380,7 @@
           <a:p>
             <a:fld id="{8BFF3AED-349D-4D38-9D65-91572B471CDC}" type="datetimeFigureOut">
               <a:rPr lang="es-CO" smtClean="0"/>
-              <a:t>10/08/2015</a:t>
+              <a:t>19/08/2015</a:t>
             </a:fld>
             <a:endParaRPr lang="es-CO"/>
           </a:p>
@@ -1691,7 +1700,7 @@
           <a:p>
             <a:fld id="{8BFF3AED-349D-4D38-9D65-91572B471CDC}" type="datetimeFigureOut">
               <a:rPr lang="es-CO" smtClean="0"/>
-              <a:t>10/08/2015</a:t>
+              <a:t>19/08/2015</a:t>
             </a:fld>
             <a:endParaRPr lang="es-CO"/>
           </a:p>
@@ -2087,7 +2096,7 @@
           <a:p>
             <a:fld id="{8BFF3AED-349D-4D38-9D65-91572B471CDC}" type="datetimeFigureOut">
               <a:rPr lang="es-CO" smtClean="0"/>
-              <a:t>10/08/2015</a:t>
+              <a:t>19/08/2015</a:t>
             </a:fld>
             <a:endParaRPr lang="es-CO"/>
           </a:p>
@@ -2344,7 +2353,7 @@
           <a:p>
             <a:fld id="{8BFF3AED-349D-4D38-9D65-91572B471CDC}" type="datetimeFigureOut">
               <a:rPr lang="es-CO" smtClean="0"/>
-              <a:t>10/08/2015</a:t>
+              <a:t>19/08/2015</a:t>
             </a:fld>
             <a:endParaRPr lang="es-CO"/>
           </a:p>
@@ -2606,7 +2615,7 @@
           <a:p>
             <a:fld id="{8BFF3AED-349D-4D38-9D65-91572B471CDC}" type="datetimeFigureOut">
               <a:rPr lang="es-CO" smtClean="0"/>
-              <a:t>10/08/2015</a:t>
+              <a:t>19/08/2015</a:t>
             </a:fld>
             <a:endParaRPr lang="es-CO"/>
           </a:p>
@@ -2868,7 +2877,7 @@
           <a:p>
             <a:fld id="{8BFF3AED-349D-4D38-9D65-91572B471CDC}" type="datetimeFigureOut">
               <a:rPr lang="es-CO" smtClean="0"/>
-              <a:t>10/08/2015</a:t>
+              <a:t>19/08/2015</a:t>
             </a:fld>
             <a:endParaRPr lang="es-CO"/>
           </a:p>
@@ -3197,7 +3206,7 @@
           <a:p>
             <a:fld id="{8BFF3AED-349D-4D38-9D65-91572B471CDC}" type="datetimeFigureOut">
               <a:rPr lang="es-CO" smtClean="0"/>
-              <a:t>10/08/2015</a:t>
+              <a:t>19/08/2015</a:t>
             </a:fld>
             <a:endParaRPr lang="es-CO"/>
           </a:p>
@@ -3520,7 +3529,7 @@
           <a:p>
             <a:fld id="{8BFF3AED-349D-4D38-9D65-91572B471CDC}" type="datetimeFigureOut">
               <a:rPr lang="es-CO" smtClean="0"/>
-              <a:t>10/08/2015</a:t>
+              <a:t>19/08/2015</a:t>
             </a:fld>
             <a:endParaRPr lang="es-CO"/>
           </a:p>
@@ -3977,7 +3986,7 @@
           <a:p>
             <a:fld id="{8BFF3AED-349D-4D38-9D65-91572B471CDC}" type="datetimeFigureOut">
               <a:rPr lang="es-CO" smtClean="0"/>
-              <a:t>10/08/2015</a:t>
+              <a:t>19/08/2015</a:t>
             </a:fld>
             <a:endParaRPr lang="es-CO"/>
           </a:p>
@@ -4182,7 +4191,7 @@
           <a:p>
             <a:fld id="{8BFF3AED-349D-4D38-9D65-91572B471CDC}" type="datetimeFigureOut">
               <a:rPr lang="es-CO" smtClean="0"/>
-              <a:t>10/08/2015</a:t>
+              <a:t>19/08/2015</a:t>
             </a:fld>
             <a:endParaRPr lang="es-CO"/>
           </a:p>
@@ -4359,7 +4368,7 @@
           <a:p>
             <a:fld id="{8BFF3AED-349D-4D38-9D65-91572B471CDC}" type="datetimeFigureOut">
               <a:rPr lang="es-CO" smtClean="0"/>
-              <a:t>10/08/2015</a:t>
+              <a:t>19/08/2015</a:t>
             </a:fld>
             <a:endParaRPr lang="es-CO"/>
           </a:p>
@@ -4692,7 +4701,7 @@
           <a:p>
             <a:fld id="{8BFF3AED-349D-4D38-9D65-91572B471CDC}" type="datetimeFigureOut">
               <a:rPr lang="es-CO" smtClean="0"/>
-              <a:t>10/08/2015</a:t>
+              <a:t>19/08/2015</a:t>
             </a:fld>
             <a:endParaRPr lang="es-CO"/>
           </a:p>
@@ -5037,7 +5046,7 @@
           <a:p>
             <a:fld id="{8BFF3AED-349D-4D38-9D65-91572B471CDC}" type="datetimeFigureOut">
               <a:rPr lang="es-CO" smtClean="0"/>
-              <a:t>10/08/2015</a:t>
+              <a:t>19/08/2015</a:t>
             </a:fld>
             <a:endParaRPr lang="es-CO"/>
           </a:p>
@@ -7154,7 +7163,7 @@
           <a:p>
             <a:fld id="{8BFF3AED-349D-4D38-9D65-91572B471CDC}" type="datetimeFigureOut">
               <a:rPr lang="es-CO" smtClean="0"/>
-              <a:t>10/08/2015</a:t>
+              <a:t>19/08/2015</a:t>
             </a:fld>
             <a:endParaRPr lang="es-CO"/>
           </a:p>
@@ -8292,6 +8301,582 @@
 </p:sld>
 </file>
 
+<file path=ppt/slides/slide3.xml><?xml version="1.0" encoding="utf-8"?>
+<p:sld xmlns:a="http://schemas.openxmlformats.org/drawingml/2006/main" xmlns:r="http://schemas.openxmlformats.org/officeDocument/2006/relationships" xmlns:p="http://schemas.openxmlformats.org/presentationml/2006/main">
+  <p:cSld>
+    <p:spTree>
+      <p:nvGrpSpPr>
+        <p:cNvPr id="1" name=""/>
+        <p:cNvGrpSpPr/>
+        <p:nvPr/>
+      </p:nvGrpSpPr>
+      <p:grpSpPr>
+        <a:xfrm>
+          <a:off x="0" y="0"/>
+          <a:ext cx="0" cy="0"/>
+          <a:chOff x="0" y="0"/>
+          <a:chExt cx="0" cy="0"/>
+        </a:xfrm>
+      </p:grpSpPr>
+      <p:sp>
+        <p:nvSpPr>
+          <p:cNvPr id="2" name="Título 1"/>
+          <p:cNvSpPr>
+            <a:spLocks noGrp="1"/>
+          </p:cNvSpPr>
+          <p:nvPr>
+            <p:ph type="title"/>
+          </p:nvPr>
+        </p:nvSpPr>
+        <p:spPr/>
+        <p:txBody>
+          <a:bodyPr/>
+          <a:lstStyle/>
+          <a:p>
+            <a:pPr algn="ctr"/>
+            <a:r>
+              <a:rPr lang="es-CO" dirty="0" smtClean="0"/>
+              <a:t>USO</a:t>
+            </a:r>
+            <a:endParaRPr lang="es-CO" dirty="0"/>
+          </a:p>
+        </p:txBody>
+      </p:sp>
+      <p:sp>
+        <p:nvSpPr>
+          <p:cNvPr id="3" name="Marcador de contenido 2"/>
+          <p:cNvSpPr>
+            <a:spLocks noGrp="1"/>
+          </p:cNvSpPr>
+          <p:nvPr>
+            <p:ph idx="1"/>
+          </p:nvPr>
+        </p:nvSpPr>
+        <p:spPr/>
+        <p:txBody>
+          <a:bodyPr/>
+          <a:lstStyle/>
+          <a:p>
+            <a:endParaRPr lang="es-CO" dirty="0" smtClean="0"/>
+          </a:p>
+          <a:p>
+            <a:r>
+              <a:rPr lang="es-CO" dirty="0" smtClean="0"/>
+              <a:t>use </a:t>
+            </a:r>
+            <a:r>
+              <a:rPr lang="es-CO" dirty="0" err="1"/>
+              <a:t>Symfony</a:t>
+            </a:r>
+            <a:r>
+              <a:rPr lang="es-CO" dirty="0"/>
+              <a:t>\</a:t>
+            </a:r>
+            <a:r>
+              <a:rPr lang="es-CO" dirty="0" err="1"/>
+              <a:t>Component</a:t>
+            </a:r>
+            <a:r>
+              <a:rPr lang="es-CO" dirty="0"/>
+              <a:t>\</a:t>
+            </a:r>
+            <a:r>
+              <a:rPr lang="es-CO" dirty="0" err="1"/>
+              <a:t>PropertyAccess</a:t>
+            </a:r>
+            <a:r>
+              <a:rPr lang="es-CO" dirty="0"/>
+              <a:t>\</a:t>
+            </a:r>
+            <a:r>
+              <a:rPr lang="es-CO" dirty="0" err="1"/>
+              <a:t>PropertyAccess</a:t>
+            </a:r>
+            <a:r>
+              <a:rPr lang="es-CO" dirty="0" smtClean="0"/>
+              <a:t>;</a:t>
+            </a:r>
+          </a:p>
+          <a:p>
+            <a:endParaRPr lang="es-CO" dirty="0"/>
+          </a:p>
+          <a:p>
+            <a:pPr marL="0" indent="0">
+              <a:buNone/>
+            </a:pPr>
+            <a:r>
+              <a:rPr lang="es-CO" dirty="0"/>
+              <a:t>$</a:t>
+            </a:r>
+            <a:r>
+              <a:rPr lang="es-CO" dirty="0" err="1"/>
+              <a:t>accessor</a:t>
+            </a:r>
+            <a:r>
+              <a:rPr lang="es-CO" dirty="0"/>
+              <a:t> = </a:t>
+            </a:r>
+            <a:r>
+              <a:rPr lang="es-CO" dirty="0" err="1"/>
+              <a:t>PropertyAccess</a:t>
+            </a:r>
+            <a:r>
+              <a:rPr lang="es-CO" dirty="0"/>
+              <a:t>::</a:t>
+            </a:r>
+            <a:r>
+              <a:rPr lang="es-CO" dirty="0" err="1"/>
+              <a:t>createPropertyAccessor</a:t>
+            </a:r>
+            <a:r>
+              <a:rPr lang="es-CO" dirty="0"/>
+              <a:t>();</a:t>
+            </a:r>
+          </a:p>
+        </p:txBody>
+      </p:sp>
+    </p:spTree>
+    <p:extLst>
+      <p:ext uri="{BB962C8B-B14F-4D97-AF65-F5344CB8AC3E}">
+        <p14:creationId xmlns:p14="http://schemas.microsoft.com/office/powerpoint/2010/main" val="3050980113"/>
+      </p:ext>
+    </p:extLst>
+  </p:cSld>
+  <p:clrMapOvr>
+    <a:masterClrMapping/>
+  </p:clrMapOvr>
+</p:sld>
+</file>
+
+<file path=ppt/slides/slide4.xml><?xml version="1.0" encoding="utf-8"?>
+<p:sld xmlns:a="http://schemas.openxmlformats.org/drawingml/2006/main" xmlns:r="http://schemas.openxmlformats.org/officeDocument/2006/relationships" xmlns:p="http://schemas.openxmlformats.org/presentationml/2006/main">
+  <p:cSld>
+    <p:spTree>
+      <p:nvGrpSpPr>
+        <p:cNvPr id="1" name=""/>
+        <p:cNvGrpSpPr/>
+        <p:nvPr/>
+      </p:nvGrpSpPr>
+      <p:grpSpPr>
+        <a:xfrm>
+          <a:off x="0" y="0"/>
+          <a:ext cx="0" cy="0"/>
+          <a:chOff x="0" y="0"/>
+          <a:chExt cx="0" cy="0"/>
+        </a:xfrm>
+      </p:grpSpPr>
+      <p:sp>
+        <p:nvSpPr>
+          <p:cNvPr id="2" name="Título 1"/>
+          <p:cNvSpPr>
+            <a:spLocks noGrp="1"/>
+          </p:cNvSpPr>
+          <p:nvPr>
+            <p:ph type="title"/>
+          </p:nvPr>
+        </p:nvSpPr>
+        <p:spPr/>
+        <p:txBody>
+          <a:bodyPr/>
+          <a:lstStyle/>
+          <a:p>
+            <a:r>
+              <a:rPr lang="es-CO" dirty="0" smtClean="0"/>
+              <a:t>Leer desde </a:t>
+            </a:r>
+            <a:r>
+              <a:rPr lang="es-CO" dirty="0" err="1" smtClean="0"/>
+              <a:t>Array</a:t>
+            </a:r>
+            <a:r>
+              <a:rPr lang="es-CO" dirty="0" smtClean="0"/>
+              <a:t>()</a:t>
+            </a:r>
+            <a:endParaRPr lang="es-CO" dirty="0"/>
+          </a:p>
+        </p:txBody>
+      </p:sp>
+      <p:sp>
+        <p:nvSpPr>
+          <p:cNvPr id="3" name="Marcador de contenido 2"/>
+          <p:cNvSpPr>
+            <a:spLocks noGrp="1"/>
+          </p:cNvSpPr>
+          <p:nvPr>
+            <p:ph idx="1"/>
+          </p:nvPr>
+        </p:nvSpPr>
+        <p:spPr/>
+        <p:txBody>
+          <a:bodyPr/>
+          <a:lstStyle/>
+          <a:p>
+            <a:r>
+              <a:rPr lang="es-CO" dirty="0"/>
+              <a:t>$</a:t>
+            </a:r>
+            <a:r>
+              <a:rPr lang="es-CO" dirty="0" err="1" smtClean="0"/>
+              <a:t>accessor</a:t>
+            </a:r>
+            <a:r>
+              <a:rPr lang="es-CO" dirty="0" smtClean="0"/>
+              <a:t>-&gt;</a:t>
+            </a:r>
+            <a:r>
+              <a:rPr lang="es-CO" dirty="0" err="1" smtClean="0"/>
+              <a:t>getValue</a:t>
+            </a:r>
+            <a:r>
+              <a:rPr lang="es-CO" dirty="0" smtClean="0"/>
+              <a:t>()</a:t>
+            </a:r>
+          </a:p>
+          <a:p>
+            <a:endParaRPr lang="es-CO" dirty="0"/>
+          </a:p>
+          <a:p>
+            <a:pPr marL="0" indent="0">
+              <a:buNone/>
+            </a:pPr>
+            <a:r>
+              <a:rPr lang="es-CO" dirty="0" smtClean="0"/>
+              <a:t>Ver Ejemplo</a:t>
+            </a:r>
+          </a:p>
+          <a:p>
+            <a:pPr>
+              <a:buFontTx/>
+              <a:buChar char="-"/>
+            </a:pPr>
+            <a:r>
+              <a:rPr lang="es-CO" dirty="0" smtClean="0"/>
+              <a:t>Property1</a:t>
+            </a:r>
+          </a:p>
+          <a:p>
+            <a:pPr>
+              <a:buFontTx/>
+              <a:buChar char="-"/>
+            </a:pPr>
+            <a:r>
+              <a:rPr lang="es-CO" dirty="0" smtClean="0"/>
+              <a:t>property2</a:t>
+            </a:r>
+          </a:p>
+          <a:p>
+            <a:pPr marL="0" indent="0">
+              <a:buNone/>
+            </a:pPr>
+            <a:endParaRPr lang="es-CO" dirty="0"/>
+          </a:p>
+        </p:txBody>
+      </p:sp>
+    </p:spTree>
+    <p:extLst>
+      <p:ext uri="{BB962C8B-B14F-4D97-AF65-F5344CB8AC3E}">
+        <p14:creationId xmlns:p14="http://schemas.microsoft.com/office/powerpoint/2010/main" val="141688665"/>
+      </p:ext>
+    </p:extLst>
+  </p:cSld>
+  <p:clrMapOvr>
+    <a:masterClrMapping/>
+  </p:clrMapOvr>
+</p:sld>
+</file>
+
+<file path=ppt/slides/slide5.xml><?xml version="1.0" encoding="utf-8"?>
+<p:sld xmlns:a="http://schemas.openxmlformats.org/drawingml/2006/main" xmlns:r="http://schemas.openxmlformats.org/officeDocument/2006/relationships" xmlns:p="http://schemas.openxmlformats.org/presentationml/2006/main">
+  <p:cSld>
+    <p:spTree>
+      <p:nvGrpSpPr>
+        <p:cNvPr id="1" name=""/>
+        <p:cNvGrpSpPr/>
+        <p:nvPr/>
+      </p:nvGrpSpPr>
+      <p:grpSpPr>
+        <a:xfrm>
+          <a:off x="0" y="0"/>
+          <a:ext cx="0" cy="0"/>
+          <a:chOff x="0" y="0"/>
+          <a:chExt cx="0" cy="0"/>
+        </a:xfrm>
+      </p:grpSpPr>
+      <p:sp>
+        <p:nvSpPr>
+          <p:cNvPr id="2" name="Título 1"/>
+          <p:cNvSpPr>
+            <a:spLocks noGrp="1"/>
+          </p:cNvSpPr>
+          <p:nvPr>
+            <p:ph type="title"/>
+          </p:nvPr>
+        </p:nvSpPr>
+        <p:spPr/>
+        <p:txBody>
+          <a:bodyPr/>
+          <a:lstStyle/>
+          <a:p>
+            <a:r>
+              <a:rPr lang="es-CO" dirty="0" smtClean="0"/>
+              <a:t>Leer desde </a:t>
+            </a:r>
+            <a:r>
+              <a:rPr lang="es-CO" dirty="0" err="1" smtClean="0"/>
+              <a:t>Object</a:t>
+            </a:r>
+            <a:endParaRPr lang="es-CO" dirty="0"/>
+          </a:p>
+        </p:txBody>
+      </p:sp>
+      <p:sp>
+        <p:nvSpPr>
+          <p:cNvPr id="3" name="Marcador de contenido 2"/>
+          <p:cNvSpPr>
+            <a:spLocks noGrp="1"/>
+          </p:cNvSpPr>
+          <p:nvPr>
+            <p:ph idx="1"/>
+          </p:nvPr>
+        </p:nvSpPr>
+        <p:spPr/>
+        <p:txBody>
+          <a:bodyPr/>
+          <a:lstStyle/>
+          <a:p>
+            <a:r>
+              <a:rPr lang="es-CO" dirty="0"/>
+              <a:t>$</a:t>
+            </a:r>
+            <a:r>
+              <a:rPr lang="es-CO" dirty="0" err="1" smtClean="0"/>
+              <a:t>accessor</a:t>
+            </a:r>
+            <a:r>
+              <a:rPr lang="es-CO" dirty="0" smtClean="0"/>
+              <a:t>-&gt;</a:t>
+            </a:r>
+            <a:r>
+              <a:rPr lang="es-CO" dirty="0" err="1" smtClean="0"/>
+              <a:t>getValue</a:t>
+            </a:r>
+            <a:r>
+              <a:rPr lang="es-CO" dirty="0" smtClean="0"/>
+              <a:t>()</a:t>
+            </a:r>
+          </a:p>
+          <a:p>
+            <a:endParaRPr lang="es-CO" dirty="0"/>
+          </a:p>
+          <a:p>
+            <a:pPr marL="0" indent="0">
+              <a:buNone/>
+            </a:pPr>
+            <a:r>
+              <a:rPr lang="es-CO" dirty="0" smtClean="0"/>
+              <a:t>Ver Ejemplo</a:t>
+            </a:r>
+          </a:p>
+          <a:p>
+            <a:pPr>
+              <a:buFontTx/>
+              <a:buChar char="-"/>
+            </a:pPr>
+            <a:r>
+              <a:rPr lang="es-CO" dirty="0" smtClean="0"/>
+              <a:t>Property3 -&gt; Propiedades Publicas </a:t>
+            </a:r>
+          </a:p>
+          <a:p>
+            <a:pPr>
+              <a:buFontTx/>
+              <a:buChar char="-"/>
+            </a:pPr>
+            <a:r>
+              <a:rPr lang="es-CO" dirty="0" smtClean="0"/>
+              <a:t>Property4 -&gt; Uso de </a:t>
+            </a:r>
+            <a:r>
+              <a:rPr lang="es-CO" dirty="0" err="1" smtClean="0"/>
+              <a:t>Getters</a:t>
+            </a:r>
+            <a:endParaRPr lang="es-CO" dirty="0" smtClean="0"/>
+          </a:p>
+          <a:p>
+            <a:pPr marL="0" indent="0">
+              <a:buNone/>
+            </a:pPr>
+            <a:endParaRPr lang="es-CO" dirty="0"/>
+          </a:p>
+        </p:txBody>
+      </p:sp>
+    </p:spTree>
+    <p:extLst>
+      <p:ext uri="{BB962C8B-B14F-4D97-AF65-F5344CB8AC3E}">
+        <p14:creationId xmlns:p14="http://schemas.microsoft.com/office/powerpoint/2010/main" val="2715869084"/>
+      </p:ext>
+    </p:extLst>
+  </p:cSld>
+  <p:clrMapOvr>
+    <a:masterClrMapping/>
+  </p:clrMapOvr>
+</p:sld>
+</file>
+
+<file path=ppt/slides/slide6.xml><?xml version="1.0" encoding="utf-8"?>
+<p:sld xmlns:a="http://schemas.openxmlformats.org/drawingml/2006/main" xmlns:r="http://schemas.openxmlformats.org/officeDocument/2006/relationships" xmlns:p="http://schemas.openxmlformats.org/presentationml/2006/main">
+  <p:cSld>
+    <p:spTree>
+      <p:nvGrpSpPr>
+        <p:cNvPr id="1" name=""/>
+        <p:cNvGrpSpPr/>
+        <p:nvPr/>
+      </p:nvGrpSpPr>
+      <p:grpSpPr>
+        <a:xfrm>
+          <a:off x="0" y="0"/>
+          <a:ext cx="0" cy="0"/>
+          <a:chOff x="0" y="0"/>
+          <a:chExt cx="0" cy="0"/>
+        </a:xfrm>
+      </p:grpSpPr>
+      <p:sp>
+        <p:nvSpPr>
+          <p:cNvPr id="2" name="Título 1"/>
+          <p:cNvSpPr>
+            <a:spLocks noGrp="1"/>
+          </p:cNvSpPr>
+          <p:nvPr>
+            <p:ph type="title"/>
+          </p:nvPr>
+        </p:nvSpPr>
+        <p:spPr/>
+        <p:txBody>
+          <a:bodyPr/>
+          <a:lstStyle/>
+          <a:p>
+            <a:r>
+              <a:rPr lang="es-CO" dirty="0" err="1"/>
+              <a:t>Using</a:t>
+            </a:r>
+            <a:r>
+              <a:rPr lang="es-CO" dirty="0"/>
+              <a:t> </a:t>
+            </a:r>
+            <a:r>
+              <a:rPr lang="es-CO" dirty="0" err="1" smtClean="0"/>
+              <a:t>Hassers</a:t>
+            </a:r>
+            <a:r>
+              <a:rPr lang="es-CO" dirty="0" smtClean="0"/>
+              <a:t>/</a:t>
+            </a:r>
+            <a:r>
+              <a:rPr lang="es-CO" dirty="0" err="1" smtClean="0"/>
+              <a:t>Issers</a:t>
+            </a:r>
+            <a:r>
+              <a:rPr lang="es-CO" dirty="0" smtClean="0"/>
+              <a:t> &amp; </a:t>
+            </a:r>
+            <a:endParaRPr lang="es-CO" dirty="0"/>
+          </a:p>
+        </p:txBody>
+      </p:sp>
+      <p:sp>
+        <p:nvSpPr>
+          <p:cNvPr id="3" name="Marcador de contenido 2"/>
+          <p:cNvSpPr>
+            <a:spLocks noGrp="1"/>
+          </p:cNvSpPr>
+          <p:nvPr>
+            <p:ph idx="1"/>
+          </p:nvPr>
+        </p:nvSpPr>
+        <p:spPr/>
+        <p:txBody>
+          <a:bodyPr/>
+          <a:lstStyle/>
+          <a:p>
+            <a:r>
+              <a:rPr lang="es-CO" dirty="0"/>
+              <a:t>$</a:t>
+            </a:r>
+            <a:r>
+              <a:rPr lang="es-CO" dirty="0" err="1" smtClean="0"/>
+              <a:t>accessor</a:t>
+            </a:r>
+            <a:r>
+              <a:rPr lang="es-CO" dirty="0" smtClean="0"/>
+              <a:t>-&gt;</a:t>
+            </a:r>
+            <a:r>
+              <a:rPr lang="es-CO" dirty="0" err="1" smtClean="0"/>
+              <a:t>getValue</a:t>
+            </a:r>
+            <a:r>
+              <a:rPr lang="es-CO" dirty="0" smtClean="0"/>
+              <a:t>()</a:t>
+            </a:r>
+          </a:p>
+          <a:p>
+            <a:endParaRPr lang="es-CO" dirty="0"/>
+          </a:p>
+          <a:p>
+            <a:pPr marL="0" indent="0">
+              <a:buNone/>
+            </a:pPr>
+            <a:r>
+              <a:rPr lang="es-CO" dirty="0" smtClean="0"/>
+              <a:t>Ver Ejemplo</a:t>
+            </a:r>
+          </a:p>
+          <a:p>
+            <a:pPr>
+              <a:buFontTx/>
+              <a:buChar char="-"/>
+            </a:pPr>
+            <a:r>
+              <a:rPr lang="es-CO" dirty="0" smtClean="0"/>
+              <a:t>Property3 -&gt; Propiedades Publicas </a:t>
+            </a:r>
+          </a:p>
+          <a:p>
+            <a:pPr>
+              <a:buFontTx/>
+              <a:buChar char="-"/>
+            </a:pPr>
+            <a:r>
+              <a:rPr lang="es-CO" dirty="0" smtClean="0"/>
+              <a:t>Property4 -&gt; Uso de </a:t>
+            </a:r>
+            <a:r>
+              <a:rPr lang="es-CO" dirty="0" err="1" smtClean="0"/>
+              <a:t>Getters</a:t>
+            </a:r>
+            <a:endParaRPr lang="es-CO" dirty="0" smtClean="0"/>
+          </a:p>
+          <a:p>
+            <a:pPr marL="0" indent="0">
+              <a:buNone/>
+            </a:pPr>
+            <a:endParaRPr lang="es-CO" dirty="0"/>
+          </a:p>
+        </p:txBody>
+      </p:sp>
+    </p:spTree>
+    <p:extLst>
+      <p:ext uri="{BB962C8B-B14F-4D97-AF65-F5344CB8AC3E}">
+        <p14:creationId xmlns:p14="http://schemas.microsoft.com/office/powerpoint/2010/main" val="2340629417"/>
+      </p:ext>
+    </p:extLst>
+  </p:cSld>
+  <p:clrMapOvr>
+    <a:masterClrMapping/>
+  </p:clrMapOvr>
+</p:sld>
+</file>
+
 <file path=ppt/theme/theme1.xml><?xml version="1.0" encoding="utf-8"?>
 <a:theme xmlns:a="http://schemas.openxmlformats.org/drawingml/2006/main" name="Espiral">
   <a:themeElements>

--- a/Exposición Property Access Component.pptx
+++ b/Exposición Property Access Component.pptx
@@ -7699,12 +7699,8 @@
           <a:lstStyle/>
           <a:p>
             <a:r>
-              <a:rPr lang="es-CO" dirty="0" err="1" smtClean="0"/>
-              <a:t>Property</a:t>
-            </a:r>
-            <a:r>
               <a:rPr lang="es-CO" dirty="0" smtClean="0"/>
-              <a:t> Access </a:t>
+              <a:t>Property Access </a:t>
             </a:r>
             <a:r>
               <a:rPr lang="es-CO" dirty="0" err="1"/>
@@ -8176,12 +8172,8 @@
               <a:buNone/>
             </a:pPr>
             <a:r>
-              <a:rPr lang="es-CO" b="1" dirty="0" err="1" smtClean="0"/>
-              <a:t>Property</a:t>
-            </a:r>
-            <a:r>
               <a:rPr lang="es-CO" b="1" dirty="0" smtClean="0"/>
-              <a:t> Access</a:t>
+              <a:t>Property Access</a:t>
             </a:r>
           </a:p>
           <a:p>
@@ -8776,8 +8768,12 @@
               <a:t>Issers</a:t>
             </a:r>
             <a:r>
-              <a:rPr lang="es-CO" dirty="0" smtClean="0"/>
-              <a:t> &amp; </a:t>
+              <a:rPr lang="es-CO" smtClean="0"/>
+              <a:t> </a:t>
+            </a:r>
+            <a:r>
+              <a:rPr lang="es-CO" smtClean="0"/>
+              <a:t> </a:t>
             </a:r>
             <a:endParaRPr lang="es-CO" dirty="0"/>
           </a:p>
@@ -8838,21 +8834,23 @@
             </a:pPr>
             <a:r>
               <a:rPr lang="es-CO" dirty="0" smtClean="0"/>
-              <a:t>Property3 -&gt; Propiedades Publicas </a:t>
-            </a:r>
-          </a:p>
-          <a:p>
-            <a:pPr>
-              <a:buFontTx/>
-              <a:buChar char="-"/>
-            </a:pPr>
+              <a:t>Property5 </a:t>
+            </a:r>
             <a:r>
               <a:rPr lang="es-CO" dirty="0" smtClean="0"/>
-              <a:t>Property4 -&gt; Uso de </a:t>
+              <a:t>-&gt; </a:t>
             </a:r>
             <a:r>
               <a:rPr lang="es-CO" dirty="0" err="1" smtClean="0"/>
-              <a:t>Getters</a:t>
+              <a:t>Hassers</a:t>
+            </a:r>
+            <a:r>
+              <a:rPr lang="es-CO" dirty="0" smtClean="0"/>
+              <a:t>/</a:t>
+            </a:r>
+            <a:r>
+              <a:rPr lang="es-CO" dirty="0" err="1" smtClean="0"/>
+              <a:t>Issers</a:t>
             </a:r>
             <a:endParaRPr lang="es-CO" dirty="0" smtClean="0"/>
           </a:p>

--- a/Exposición Property Access Component.pptx
+++ b/Exposición Property Access Component.pptx
@@ -11,6 +11,9 @@
     <p:sldId id="259" r:id="rId5"/>
     <p:sldId id="260" r:id="rId6"/>
     <p:sldId id="261" r:id="rId7"/>
+    <p:sldId id="262" r:id="rId8"/>
+    <p:sldId id="263" r:id="rId9"/>
+    <p:sldId id="264" r:id="rId10"/>
   </p:sldIdLst>
   <p:sldSz cx="12192000" cy="6858000"/>
   <p:notesSz cx="6858000" cy="9144000"/>
@@ -305,7 +308,7 @@
           <a:p>
             <a:fld id="{8BFF3AED-349D-4D38-9D65-91572B471CDC}" type="datetimeFigureOut">
               <a:rPr lang="es-CO" smtClean="0"/>
-              <a:t>19/08/2015</a:t>
+              <a:t>20/08/2015</a:t>
             </a:fld>
             <a:endParaRPr lang="es-CO"/>
           </a:p>
@@ -643,7 +646,7 @@
           <a:p>
             <a:fld id="{8BFF3AED-349D-4D38-9D65-91572B471CDC}" type="datetimeFigureOut">
               <a:rPr lang="es-CO" smtClean="0"/>
-              <a:t>19/08/2015</a:t>
+              <a:t>20/08/2015</a:t>
             </a:fld>
             <a:endParaRPr lang="es-CO"/>
           </a:p>
@@ -1044,7 +1047,7 @@
           <a:p>
             <a:fld id="{8BFF3AED-349D-4D38-9D65-91572B471CDC}" type="datetimeFigureOut">
               <a:rPr lang="es-CO" smtClean="0"/>
-              <a:t>19/08/2015</a:t>
+              <a:t>20/08/2015</a:t>
             </a:fld>
             <a:endParaRPr lang="es-CO"/>
           </a:p>
@@ -1380,7 +1383,7 @@
           <a:p>
             <a:fld id="{8BFF3AED-349D-4D38-9D65-91572B471CDC}" type="datetimeFigureOut">
               <a:rPr lang="es-CO" smtClean="0"/>
-              <a:t>19/08/2015</a:t>
+              <a:t>20/08/2015</a:t>
             </a:fld>
             <a:endParaRPr lang="es-CO"/>
           </a:p>
@@ -1700,7 +1703,7 @@
           <a:p>
             <a:fld id="{8BFF3AED-349D-4D38-9D65-91572B471CDC}" type="datetimeFigureOut">
               <a:rPr lang="es-CO" smtClean="0"/>
-              <a:t>19/08/2015</a:t>
+              <a:t>20/08/2015</a:t>
             </a:fld>
             <a:endParaRPr lang="es-CO"/>
           </a:p>
@@ -2096,7 +2099,7 @@
           <a:p>
             <a:fld id="{8BFF3AED-349D-4D38-9D65-91572B471CDC}" type="datetimeFigureOut">
               <a:rPr lang="es-CO" smtClean="0"/>
-              <a:t>19/08/2015</a:t>
+              <a:t>20/08/2015</a:t>
             </a:fld>
             <a:endParaRPr lang="es-CO"/>
           </a:p>
@@ -2353,7 +2356,7 @@
           <a:p>
             <a:fld id="{8BFF3AED-349D-4D38-9D65-91572B471CDC}" type="datetimeFigureOut">
               <a:rPr lang="es-CO" smtClean="0"/>
-              <a:t>19/08/2015</a:t>
+              <a:t>20/08/2015</a:t>
             </a:fld>
             <a:endParaRPr lang="es-CO"/>
           </a:p>
@@ -2615,7 +2618,7 @@
           <a:p>
             <a:fld id="{8BFF3AED-349D-4D38-9D65-91572B471CDC}" type="datetimeFigureOut">
               <a:rPr lang="es-CO" smtClean="0"/>
-              <a:t>19/08/2015</a:t>
+              <a:t>20/08/2015</a:t>
             </a:fld>
             <a:endParaRPr lang="es-CO"/>
           </a:p>
@@ -2877,7 +2880,7 @@
           <a:p>
             <a:fld id="{8BFF3AED-349D-4D38-9D65-91572B471CDC}" type="datetimeFigureOut">
               <a:rPr lang="es-CO" smtClean="0"/>
-              <a:t>19/08/2015</a:t>
+              <a:t>20/08/2015</a:t>
             </a:fld>
             <a:endParaRPr lang="es-CO"/>
           </a:p>
@@ -3206,7 +3209,7 @@
           <a:p>
             <a:fld id="{8BFF3AED-349D-4D38-9D65-91572B471CDC}" type="datetimeFigureOut">
               <a:rPr lang="es-CO" smtClean="0"/>
-              <a:t>19/08/2015</a:t>
+              <a:t>20/08/2015</a:t>
             </a:fld>
             <a:endParaRPr lang="es-CO"/>
           </a:p>
@@ -3529,7 +3532,7 @@
           <a:p>
             <a:fld id="{8BFF3AED-349D-4D38-9D65-91572B471CDC}" type="datetimeFigureOut">
               <a:rPr lang="es-CO" smtClean="0"/>
-              <a:t>19/08/2015</a:t>
+              <a:t>20/08/2015</a:t>
             </a:fld>
             <a:endParaRPr lang="es-CO"/>
           </a:p>
@@ -3986,7 +3989,7 @@
           <a:p>
             <a:fld id="{8BFF3AED-349D-4D38-9D65-91572B471CDC}" type="datetimeFigureOut">
               <a:rPr lang="es-CO" smtClean="0"/>
-              <a:t>19/08/2015</a:t>
+              <a:t>20/08/2015</a:t>
             </a:fld>
             <a:endParaRPr lang="es-CO"/>
           </a:p>
@@ -4191,7 +4194,7 @@
           <a:p>
             <a:fld id="{8BFF3AED-349D-4D38-9D65-91572B471CDC}" type="datetimeFigureOut">
               <a:rPr lang="es-CO" smtClean="0"/>
-              <a:t>19/08/2015</a:t>
+              <a:t>20/08/2015</a:t>
             </a:fld>
             <a:endParaRPr lang="es-CO"/>
           </a:p>
@@ -4368,7 +4371,7 @@
           <a:p>
             <a:fld id="{8BFF3AED-349D-4D38-9D65-91572B471CDC}" type="datetimeFigureOut">
               <a:rPr lang="es-CO" smtClean="0"/>
-              <a:t>19/08/2015</a:t>
+              <a:t>20/08/2015</a:t>
             </a:fld>
             <a:endParaRPr lang="es-CO"/>
           </a:p>
@@ -4701,7 +4704,7 @@
           <a:p>
             <a:fld id="{8BFF3AED-349D-4D38-9D65-91572B471CDC}" type="datetimeFigureOut">
               <a:rPr lang="es-CO" smtClean="0"/>
-              <a:t>19/08/2015</a:t>
+              <a:t>20/08/2015</a:t>
             </a:fld>
             <a:endParaRPr lang="es-CO"/>
           </a:p>
@@ -5046,7 +5049,7 @@
           <a:p>
             <a:fld id="{8BFF3AED-349D-4D38-9D65-91572B471CDC}" type="datetimeFigureOut">
               <a:rPr lang="es-CO" smtClean="0"/>
-              <a:t>19/08/2015</a:t>
+              <a:t>20/08/2015</a:t>
             </a:fld>
             <a:endParaRPr lang="es-CO"/>
           </a:p>
@@ -7163,7 +7166,7 @@
           <a:p>
             <a:fld id="{8BFF3AED-349D-4D38-9D65-91572B471CDC}" type="datetimeFigureOut">
               <a:rPr lang="es-CO" smtClean="0"/>
-              <a:t>19/08/2015</a:t>
+              <a:t>20/08/2015</a:t>
             </a:fld>
             <a:endParaRPr lang="es-CO"/>
           </a:p>
@@ -7703,8 +7706,33 @@
               <a:t>Property Access </a:t>
             </a:r>
             <a:r>
-              <a:rPr lang="es-CO" dirty="0" err="1"/>
+              <a:rPr lang="es-CO" dirty="0" err="1" smtClean="0"/>
               <a:t>Component</a:t>
+            </a:r>
+            <a:r>
+              <a:rPr lang="es-CO" dirty="0" smtClean="0"/>
+              <a:t/>
+            </a:r>
+            <a:br>
+              <a:rPr lang="es-CO" dirty="0" smtClean="0"/>
+            </a:br>
+            <a:r>
+              <a:rPr lang="es-CO" dirty="0"/>
+              <a:t/>
+            </a:r>
+            <a:br>
+              <a:rPr lang="es-CO" dirty="0"/>
+            </a:br>
+            <a:r>
+              <a:rPr lang="es-CO" sz="3100" dirty="0" smtClean="0"/>
+              <a:t>Jeenson Aguilar</a:t>
+            </a:r>
+            <a:br>
+              <a:rPr lang="es-CO" sz="3100" dirty="0" smtClean="0"/>
+            </a:br>
+            <a:r>
+              <a:rPr lang="es-CO" sz="3100" dirty="0" smtClean="0"/>
+              <a:t>Luis Carlos Torres</a:t>
             </a:r>
             <a:r>
               <a:rPr lang="es-CO" dirty="0"/>
@@ -8421,9 +8449,55 @@
               <a:t>createPropertyAccessor</a:t>
             </a:r>
             <a:r>
-              <a:rPr lang="es-CO" dirty="0"/>
+              <a:rPr lang="es-CO" dirty="0" smtClean="0"/>
               <a:t>();</a:t>
             </a:r>
+          </a:p>
+          <a:p>
+            <a:pPr marL="0" indent="0">
+              <a:buNone/>
+            </a:pPr>
+            <a:endParaRPr lang="es-CO" dirty="0"/>
+          </a:p>
+          <a:p>
+            <a:pPr marL="0" indent="0">
+              <a:buNone/>
+            </a:pPr>
+            <a:endParaRPr lang="es-CO" dirty="0" smtClean="0"/>
+          </a:p>
+          <a:p>
+            <a:pPr marL="0" indent="0">
+              <a:buNone/>
+            </a:pPr>
+            <a:r>
+              <a:rPr lang="es-CO" dirty="0" smtClean="0"/>
+              <a:t>Nota: </a:t>
+            </a:r>
+            <a:r>
+              <a:rPr lang="es-CO" dirty="0" err="1" smtClean="0"/>
+              <a:t>createPropertyAccessor</a:t>
+            </a:r>
+            <a:r>
+              <a:rPr lang="es-CO" dirty="0" smtClean="0"/>
+              <a:t>() fue introducido en la versión </a:t>
+            </a:r>
+            <a:r>
+              <a:rPr lang="es-CO" dirty="0" err="1" smtClean="0"/>
+              <a:t>symfony</a:t>
+            </a:r>
+            <a:r>
+              <a:rPr lang="es-CO" dirty="0" smtClean="0"/>
+              <a:t> 2.3, en versiones anteriores se usa </a:t>
+            </a:r>
+            <a:r>
+              <a:rPr lang="es-CO" dirty="0" err="1" smtClean="0"/>
+              <a:t>getPropertyAccessor</a:t>
+            </a:r>
+            <a:r>
+              <a:rPr lang="es-CO" dirty="0" smtClean="0"/>
+              <a:t>().</a:t>
+            </a:r>
+            <a:endParaRPr lang="es-CO" dirty="0"/>
           </a:p>
         </p:txBody>
       </p:sp>
@@ -8769,11 +8843,7 @@
             </a:r>
             <a:r>
               <a:rPr lang="es-CO" smtClean="0"/>
-              <a:t> </a:t>
-            </a:r>
-            <a:r>
-              <a:rPr lang="es-CO" smtClean="0"/>
-              <a:t> </a:t>
+              <a:t>  </a:t>
             </a:r>
             <a:endParaRPr lang="es-CO" dirty="0"/>
           </a:p>
@@ -8834,11 +8904,7 @@
             </a:pPr>
             <a:r>
               <a:rPr lang="es-CO" dirty="0" smtClean="0"/>
-              <a:t>Property5 </a:t>
-            </a:r>
-            <a:r>
-              <a:rPr lang="es-CO" dirty="0" smtClean="0"/>
-              <a:t>-&gt; </a:t>
+              <a:t>Property5 -&gt; </a:t>
             </a:r>
             <a:r>
               <a:rPr lang="es-CO" dirty="0" err="1" smtClean="0"/>
@@ -8866,6 +8932,380 @@
     <p:extLst>
       <p:ext uri="{BB962C8B-B14F-4D97-AF65-F5344CB8AC3E}">
         <p14:creationId xmlns:p14="http://schemas.microsoft.com/office/powerpoint/2010/main" val="2340629417"/>
+      </p:ext>
+    </p:extLst>
+  </p:cSld>
+  <p:clrMapOvr>
+    <a:masterClrMapping/>
+  </p:clrMapOvr>
+</p:sld>
+</file>
+
+<file path=ppt/slides/slide7.xml><?xml version="1.0" encoding="utf-8"?>
+<p:sld xmlns:a="http://schemas.openxmlformats.org/drawingml/2006/main" xmlns:r="http://schemas.openxmlformats.org/officeDocument/2006/relationships" xmlns:p="http://schemas.openxmlformats.org/presentationml/2006/main">
+  <p:cSld>
+    <p:spTree>
+      <p:nvGrpSpPr>
+        <p:cNvPr id="1" name=""/>
+        <p:cNvGrpSpPr/>
+        <p:nvPr/>
+      </p:nvGrpSpPr>
+      <p:grpSpPr>
+        <a:xfrm>
+          <a:off x="0" y="0"/>
+          <a:ext cx="0" cy="0"/>
+          <a:chOff x="0" y="0"/>
+          <a:chExt cx="0" cy="0"/>
+        </a:xfrm>
+      </p:grpSpPr>
+      <p:sp>
+        <p:nvSpPr>
+          <p:cNvPr id="2" name="Título 1"/>
+          <p:cNvSpPr>
+            <a:spLocks noGrp="1"/>
+          </p:cNvSpPr>
+          <p:nvPr>
+            <p:ph type="title"/>
+          </p:nvPr>
+        </p:nvSpPr>
+        <p:spPr/>
+        <p:txBody>
+          <a:bodyPr/>
+          <a:lstStyle/>
+          <a:p>
+            <a:r>
+              <a:rPr lang="es-CO" dirty="0" smtClean="0"/>
+              <a:t>Escribir en </a:t>
+            </a:r>
+            <a:r>
+              <a:rPr lang="es-CO" dirty="0" err="1" smtClean="0"/>
+              <a:t>Array</a:t>
+            </a:r>
+            <a:r>
+              <a:rPr lang="es-CO" dirty="0" smtClean="0"/>
+              <a:t>() y </a:t>
+            </a:r>
+            <a:r>
+              <a:rPr lang="es-CO" dirty="0" err="1" smtClean="0"/>
+              <a:t>Object</a:t>
+            </a:r>
+            <a:endParaRPr lang="es-CO" dirty="0"/>
+          </a:p>
+        </p:txBody>
+      </p:sp>
+      <p:sp>
+        <p:nvSpPr>
+          <p:cNvPr id="3" name="Marcador de contenido 2"/>
+          <p:cNvSpPr>
+            <a:spLocks noGrp="1"/>
+          </p:cNvSpPr>
+          <p:nvPr>
+            <p:ph idx="1"/>
+          </p:nvPr>
+        </p:nvSpPr>
+        <p:spPr/>
+        <p:txBody>
+          <a:bodyPr/>
+          <a:lstStyle/>
+          <a:p>
+            <a:r>
+              <a:rPr lang="es-CO" dirty="0"/>
+              <a:t>$</a:t>
+            </a:r>
+            <a:r>
+              <a:rPr lang="es-CO" dirty="0" err="1" smtClean="0"/>
+              <a:t>accessor</a:t>
+            </a:r>
+            <a:r>
+              <a:rPr lang="es-CO" dirty="0" smtClean="0"/>
+              <a:t>-</a:t>
+            </a:r>
+            <a:r>
+              <a:rPr lang="es-CO" dirty="0" smtClean="0"/>
+              <a:t>&gt;</a:t>
+            </a:r>
+            <a:r>
+              <a:rPr lang="es-CO" dirty="0" err="1" smtClean="0"/>
+              <a:t>setValue</a:t>
+            </a:r>
+            <a:r>
+              <a:rPr lang="es-CO" dirty="0" smtClean="0"/>
+              <a:t>()</a:t>
+            </a:r>
+          </a:p>
+          <a:p>
+            <a:endParaRPr lang="es-CO" dirty="0"/>
+          </a:p>
+          <a:p>
+            <a:pPr marL="0" indent="0">
+              <a:buNone/>
+            </a:pPr>
+            <a:r>
+              <a:rPr lang="es-CO" dirty="0" smtClean="0"/>
+              <a:t>Ver Ejemplo</a:t>
+            </a:r>
+          </a:p>
+          <a:p>
+            <a:pPr>
+              <a:buFontTx/>
+              <a:buChar char="-"/>
+            </a:pPr>
+            <a:r>
+              <a:rPr lang="es-CO" dirty="0" smtClean="0"/>
+              <a:t>Property6</a:t>
+            </a:r>
+            <a:endParaRPr lang="es-CO" dirty="0" smtClean="0"/>
+          </a:p>
+          <a:p>
+            <a:pPr>
+              <a:buFontTx/>
+              <a:buChar char="-"/>
+            </a:pPr>
+            <a:r>
+              <a:rPr lang="es-CO" dirty="0" smtClean="0"/>
+              <a:t>property7</a:t>
+            </a:r>
+            <a:endParaRPr lang="es-CO" dirty="0" smtClean="0"/>
+          </a:p>
+          <a:p>
+            <a:pPr marL="0" indent="0">
+              <a:buNone/>
+            </a:pPr>
+            <a:endParaRPr lang="es-CO" dirty="0"/>
+          </a:p>
+        </p:txBody>
+      </p:sp>
+    </p:spTree>
+    <p:extLst>
+      <p:ext uri="{BB962C8B-B14F-4D97-AF65-F5344CB8AC3E}">
+        <p14:creationId xmlns:p14="http://schemas.microsoft.com/office/powerpoint/2010/main" val="4221921493"/>
+      </p:ext>
+    </p:extLst>
+  </p:cSld>
+  <p:clrMapOvr>
+    <a:masterClrMapping/>
+  </p:clrMapOvr>
+</p:sld>
+</file>
+
+<file path=ppt/slides/slide8.xml><?xml version="1.0" encoding="utf-8"?>
+<p:sld xmlns:a="http://schemas.openxmlformats.org/drawingml/2006/main" xmlns:r="http://schemas.openxmlformats.org/officeDocument/2006/relationships" xmlns:p="http://schemas.openxmlformats.org/presentationml/2006/main">
+  <p:cSld>
+    <p:spTree>
+      <p:nvGrpSpPr>
+        <p:cNvPr id="1" name=""/>
+        <p:cNvGrpSpPr/>
+        <p:nvPr/>
+      </p:nvGrpSpPr>
+      <p:grpSpPr>
+        <a:xfrm>
+          <a:off x="0" y="0"/>
+          <a:ext cx="0" cy="0"/>
+          <a:chOff x="0" y="0"/>
+          <a:chExt cx="0" cy="0"/>
+        </a:xfrm>
+      </p:grpSpPr>
+      <p:sp>
+        <p:nvSpPr>
+          <p:cNvPr id="2" name="Título 1"/>
+          <p:cNvSpPr>
+            <a:spLocks noGrp="1"/>
+          </p:cNvSpPr>
+          <p:nvPr>
+            <p:ph type="title"/>
+          </p:nvPr>
+        </p:nvSpPr>
+        <p:spPr/>
+        <p:txBody>
+          <a:bodyPr/>
+          <a:lstStyle/>
+          <a:p>
+            <a:r>
+              <a:rPr lang="es-CO" dirty="0" err="1"/>
+              <a:t>Checking</a:t>
+            </a:r>
+            <a:r>
+              <a:rPr lang="es-CO" dirty="0"/>
+              <a:t> </a:t>
+            </a:r>
+            <a:r>
+              <a:rPr lang="es-CO" dirty="0" err="1"/>
+              <a:t>Property</a:t>
+            </a:r>
+            <a:r>
+              <a:rPr lang="es-CO" dirty="0"/>
+              <a:t> </a:t>
+            </a:r>
+            <a:r>
+              <a:rPr lang="es-CO" dirty="0" err="1"/>
+              <a:t>Paths</a:t>
+            </a:r>
+            <a:endParaRPr lang="es-CO" dirty="0"/>
+          </a:p>
+        </p:txBody>
+      </p:sp>
+      <p:sp>
+        <p:nvSpPr>
+          <p:cNvPr id="3" name="Marcador de contenido 2"/>
+          <p:cNvSpPr>
+            <a:spLocks noGrp="1"/>
+          </p:cNvSpPr>
+          <p:nvPr>
+            <p:ph idx="1"/>
+          </p:nvPr>
+        </p:nvSpPr>
+        <p:spPr/>
+        <p:txBody>
+          <a:bodyPr/>
+          <a:lstStyle/>
+          <a:p>
+            <a:r>
+              <a:rPr lang="es-CO" dirty="0"/>
+              <a:t>$</a:t>
+            </a:r>
+            <a:r>
+              <a:rPr lang="es-CO" dirty="0" err="1" smtClean="0"/>
+              <a:t>accessor</a:t>
+            </a:r>
+            <a:r>
+              <a:rPr lang="es-CO" dirty="0" smtClean="0"/>
+              <a:t>-</a:t>
+            </a:r>
+            <a:r>
+              <a:rPr lang="es-CO" dirty="0" smtClean="0"/>
+              <a:t>&gt;</a:t>
+            </a:r>
+            <a:r>
+              <a:rPr lang="es-CO" dirty="0" err="1" smtClean="0"/>
+              <a:t>isReadable</a:t>
+            </a:r>
+            <a:r>
+              <a:rPr lang="es-CO" dirty="0" smtClean="0"/>
+              <a:t>()</a:t>
+            </a:r>
+            <a:endParaRPr lang="es-CO" dirty="0" smtClean="0"/>
+          </a:p>
+          <a:p>
+            <a:endParaRPr lang="es-CO" dirty="0"/>
+          </a:p>
+          <a:p>
+            <a:pPr marL="0" indent="0">
+              <a:buNone/>
+            </a:pPr>
+            <a:r>
+              <a:rPr lang="es-CO" dirty="0" smtClean="0"/>
+              <a:t>Ver Ejemplo</a:t>
+            </a:r>
+          </a:p>
+          <a:p>
+            <a:pPr>
+              <a:buFontTx/>
+              <a:buChar char="-"/>
+            </a:pPr>
+            <a:r>
+              <a:rPr lang="es-CO" dirty="0" smtClean="0"/>
+              <a:t>Property8</a:t>
+            </a:r>
+            <a:endParaRPr lang="es-CO" dirty="0" smtClean="0"/>
+          </a:p>
+          <a:p>
+            <a:pPr>
+              <a:buFontTx/>
+              <a:buChar char="-"/>
+            </a:pPr>
+            <a:r>
+              <a:rPr lang="es-CO" dirty="0" smtClean="0"/>
+              <a:t>property7</a:t>
+            </a:r>
+            <a:endParaRPr lang="es-CO" dirty="0" smtClean="0"/>
+          </a:p>
+          <a:p>
+            <a:pPr marL="0" indent="0">
+              <a:buNone/>
+            </a:pPr>
+            <a:endParaRPr lang="es-CO" dirty="0"/>
+          </a:p>
+        </p:txBody>
+      </p:sp>
+    </p:spTree>
+    <p:extLst>
+      <p:ext uri="{BB962C8B-B14F-4D97-AF65-F5344CB8AC3E}">
+        <p14:creationId xmlns:p14="http://schemas.microsoft.com/office/powerpoint/2010/main" val="3862284698"/>
+      </p:ext>
+    </p:extLst>
+  </p:cSld>
+  <p:clrMapOvr>
+    <a:masterClrMapping/>
+  </p:clrMapOvr>
+</p:sld>
+</file>
+
+<file path=ppt/slides/slide9.xml><?xml version="1.0" encoding="utf-8"?>
+<p:sld xmlns:a="http://schemas.openxmlformats.org/drawingml/2006/main" xmlns:r="http://schemas.openxmlformats.org/officeDocument/2006/relationships" xmlns:p="http://schemas.openxmlformats.org/presentationml/2006/main">
+  <p:cSld>
+    <p:spTree>
+      <p:nvGrpSpPr>
+        <p:cNvPr id="1" name=""/>
+        <p:cNvGrpSpPr/>
+        <p:nvPr/>
+      </p:nvGrpSpPr>
+      <p:grpSpPr>
+        <a:xfrm>
+          <a:off x="0" y="0"/>
+          <a:ext cx="0" cy="0"/>
+          <a:chOff x="0" y="0"/>
+          <a:chExt cx="0" cy="0"/>
+        </a:xfrm>
+      </p:grpSpPr>
+      <p:sp>
+        <p:nvSpPr>
+          <p:cNvPr id="2" name="Título 1"/>
+          <p:cNvSpPr>
+            <a:spLocks noGrp="1"/>
+          </p:cNvSpPr>
+          <p:nvPr>
+            <p:ph type="title"/>
+          </p:nvPr>
+        </p:nvSpPr>
+        <p:spPr/>
+        <p:txBody>
+          <a:bodyPr/>
+          <a:lstStyle/>
+          <a:p>
+            <a:r>
+              <a:rPr lang="es-CO" dirty="0" smtClean="0"/>
+              <a:t>Proyecto de ejemplos usado</a:t>
+            </a:r>
+            <a:endParaRPr lang="es-CO" dirty="0"/>
+          </a:p>
+        </p:txBody>
+      </p:sp>
+      <p:sp>
+        <p:nvSpPr>
+          <p:cNvPr id="3" name="Marcador de contenido 2"/>
+          <p:cNvSpPr>
+            <a:spLocks noGrp="1"/>
+          </p:cNvSpPr>
+          <p:nvPr>
+            <p:ph idx="1"/>
+          </p:nvPr>
+        </p:nvSpPr>
+        <p:spPr/>
+        <p:txBody>
+          <a:bodyPr/>
+          <a:lstStyle/>
+          <a:p>
+            <a:r>
+              <a:rPr lang="es-CO" dirty="0"/>
+              <a:t>https://github.com/jeenson/myproject.git</a:t>
+            </a:r>
+          </a:p>
+        </p:txBody>
+      </p:sp>
+    </p:spTree>
+    <p:extLst>
+      <p:ext uri="{BB962C8B-B14F-4D97-AF65-F5344CB8AC3E}">
+        <p14:creationId xmlns:p14="http://schemas.microsoft.com/office/powerpoint/2010/main" val="3442870511"/>
       </p:ext>
     </p:extLst>
   </p:cSld>
